--- a/VSLive Chicago - Angular Presentation.pptx
+++ b/VSLive Chicago - Angular Presentation.pptx
@@ -479,7 +479,7 @@
             <a:fld id="{77A2ECFD-0169-4599-A79A-8C44AB4A932C}" type="datetimeFigureOut">
               <a:rPr lang="en-US" smtClean="0"/>
               <a:pPr/>
-              <a:t>10/8/2019</a:t>
+              <a:t>10/10/2019</a:t>
             </a:fld>
             <a:endParaRPr lang="en-US"/>
           </a:p>
@@ -5160,7 +5160,7 @@
           <a:p>
             <a:fld id="{D088F999-7A4E-6B4F-9FED-EF75B73AD044}" type="datetimeFigureOut">
               <a:rPr lang="en-US" smtClean="0"/>
-              <a:t>10/8/2019</a:t>
+              <a:t>10/10/2019</a:t>
             </a:fld>
             <a:endParaRPr lang="en-US"/>
           </a:p>
@@ -5328,7 +5328,7 @@
           <a:p>
             <a:fld id="{D088F999-7A4E-6B4F-9FED-EF75B73AD044}" type="datetimeFigureOut">
               <a:rPr lang="en-US" smtClean="0"/>
-              <a:t>10/8/2019</a:t>
+              <a:t>10/10/2019</a:t>
             </a:fld>
             <a:endParaRPr lang="en-US"/>
           </a:p>
@@ -5506,7 +5506,7 @@
           <a:p>
             <a:fld id="{D088F999-7A4E-6B4F-9FED-EF75B73AD044}" type="datetimeFigureOut">
               <a:rPr lang="en-US" smtClean="0"/>
-              <a:t>10/8/2019</a:t>
+              <a:t>10/10/2019</a:t>
             </a:fld>
             <a:endParaRPr lang="en-US"/>
           </a:p>
@@ -5746,7 +5746,7 @@
           <a:p>
             <a:fld id="{D088F999-7A4E-6B4F-9FED-EF75B73AD044}" type="datetimeFigureOut">
               <a:rPr lang="en-US" smtClean="0"/>
-              <a:t>10/8/2019</a:t>
+              <a:t>10/10/2019</a:t>
             </a:fld>
             <a:endParaRPr lang="en-US"/>
           </a:p>
@@ -5914,7 +5914,7 @@
           <a:p>
             <a:fld id="{D088F999-7A4E-6B4F-9FED-EF75B73AD044}" type="datetimeFigureOut">
               <a:rPr lang="en-US" smtClean="0"/>
-              <a:t>10/8/2019</a:t>
+              <a:t>10/10/2019</a:t>
             </a:fld>
             <a:endParaRPr lang="en-US"/>
           </a:p>
@@ -6159,7 +6159,7 @@
           <a:p>
             <a:fld id="{D088F999-7A4E-6B4F-9FED-EF75B73AD044}" type="datetimeFigureOut">
               <a:rPr lang="en-US" smtClean="0"/>
-              <a:t>10/8/2019</a:t>
+              <a:t>10/10/2019</a:t>
             </a:fld>
             <a:endParaRPr lang="en-US"/>
           </a:p>
@@ -6444,7 +6444,7 @@
           <a:p>
             <a:fld id="{D088F999-7A4E-6B4F-9FED-EF75B73AD044}" type="datetimeFigureOut">
               <a:rPr lang="en-US" smtClean="0"/>
-              <a:t>10/8/2019</a:t>
+              <a:t>10/10/2019</a:t>
             </a:fld>
             <a:endParaRPr lang="en-US"/>
           </a:p>
@@ -6863,7 +6863,7 @@
           <a:p>
             <a:fld id="{D088F999-7A4E-6B4F-9FED-EF75B73AD044}" type="datetimeFigureOut">
               <a:rPr lang="en-US" smtClean="0"/>
-              <a:t>10/8/2019</a:t>
+              <a:t>10/10/2019</a:t>
             </a:fld>
             <a:endParaRPr lang="en-US"/>
           </a:p>
@@ -6980,7 +6980,7 @@
           <a:p>
             <a:fld id="{D088F999-7A4E-6B4F-9FED-EF75B73AD044}" type="datetimeFigureOut">
               <a:rPr lang="en-US" smtClean="0"/>
-              <a:t>10/8/2019</a:t>
+              <a:t>10/10/2019</a:t>
             </a:fld>
             <a:endParaRPr lang="en-US"/>
           </a:p>
@@ -7075,7 +7075,7 @@
           <a:p>
             <a:fld id="{D088F999-7A4E-6B4F-9FED-EF75B73AD044}" type="datetimeFigureOut">
               <a:rPr lang="en-US" smtClean="0"/>
-              <a:t>10/8/2019</a:t>
+              <a:t>10/10/2019</a:t>
             </a:fld>
             <a:endParaRPr lang="en-US"/>
           </a:p>
@@ -7350,7 +7350,7 @@
           <a:p>
             <a:fld id="{D088F999-7A4E-6B4F-9FED-EF75B73AD044}" type="datetimeFigureOut">
               <a:rPr lang="en-US" smtClean="0"/>
-              <a:t>10/8/2019</a:t>
+              <a:t>10/10/2019</a:t>
             </a:fld>
             <a:endParaRPr lang="en-US"/>
           </a:p>
@@ -7518,7 +7518,7 @@
           <a:p>
             <a:fld id="{D088F999-7A4E-6B4F-9FED-EF75B73AD044}" type="datetimeFigureOut">
               <a:rPr lang="en-US" smtClean="0"/>
-              <a:t>10/8/2019</a:t>
+              <a:t>10/10/2019</a:t>
             </a:fld>
             <a:endParaRPr lang="en-US"/>
           </a:p>
@@ -7770,7 +7770,7 @@
           <a:p>
             <a:fld id="{D088F999-7A4E-6B4F-9FED-EF75B73AD044}" type="datetimeFigureOut">
               <a:rPr lang="en-US" smtClean="0"/>
-              <a:t>10/8/2019</a:t>
+              <a:t>10/10/2019</a:t>
             </a:fld>
             <a:endParaRPr lang="en-US"/>
           </a:p>
@@ -7938,7 +7938,7 @@
           <a:p>
             <a:fld id="{D088F999-7A4E-6B4F-9FED-EF75B73AD044}" type="datetimeFigureOut">
               <a:rPr lang="en-US" smtClean="0"/>
-              <a:t>10/8/2019</a:t>
+              <a:t>10/10/2019</a:t>
             </a:fld>
             <a:endParaRPr lang="en-US"/>
           </a:p>
@@ -8116,7 +8116,7 @@
           <a:p>
             <a:fld id="{D088F999-7A4E-6B4F-9FED-EF75B73AD044}" type="datetimeFigureOut">
               <a:rPr lang="en-US" smtClean="0"/>
-              <a:t>10/8/2019</a:t>
+              <a:t>10/10/2019</a:t>
             </a:fld>
             <a:endParaRPr lang="en-US"/>
           </a:p>
@@ -8361,7 +8361,7 @@
           <a:p>
             <a:fld id="{D088F999-7A4E-6B4F-9FED-EF75B73AD044}" type="datetimeFigureOut">
               <a:rPr lang="en-US" smtClean="0"/>
-              <a:t>10/8/2019</a:t>
+              <a:t>10/10/2019</a:t>
             </a:fld>
             <a:endParaRPr lang="en-US"/>
           </a:p>
@@ -8646,7 +8646,7 @@
           <a:p>
             <a:fld id="{D088F999-7A4E-6B4F-9FED-EF75B73AD044}" type="datetimeFigureOut">
               <a:rPr lang="en-US" smtClean="0"/>
-              <a:t>10/8/2019</a:t>
+              <a:t>10/10/2019</a:t>
             </a:fld>
             <a:endParaRPr lang="en-US"/>
           </a:p>
@@ -9065,7 +9065,7 @@
           <a:p>
             <a:fld id="{D088F999-7A4E-6B4F-9FED-EF75B73AD044}" type="datetimeFigureOut">
               <a:rPr lang="en-US" smtClean="0"/>
-              <a:t>10/8/2019</a:t>
+              <a:t>10/10/2019</a:t>
             </a:fld>
             <a:endParaRPr lang="en-US"/>
           </a:p>
@@ -9182,7 +9182,7 @@
           <a:p>
             <a:fld id="{D088F999-7A4E-6B4F-9FED-EF75B73AD044}" type="datetimeFigureOut">
               <a:rPr lang="en-US" smtClean="0"/>
-              <a:t>10/8/2019</a:t>
+              <a:t>10/10/2019</a:t>
             </a:fld>
             <a:endParaRPr lang="en-US"/>
           </a:p>
@@ -9277,7 +9277,7 @@
           <a:p>
             <a:fld id="{D088F999-7A4E-6B4F-9FED-EF75B73AD044}" type="datetimeFigureOut">
               <a:rPr lang="en-US" smtClean="0"/>
-              <a:t>10/8/2019</a:t>
+              <a:t>10/10/2019</a:t>
             </a:fld>
             <a:endParaRPr lang="en-US"/>
           </a:p>
@@ -9552,7 +9552,7 @@
           <a:p>
             <a:fld id="{D088F999-7A4E-6B4F-9FED-EF75B73AD044}" type="datetimeFigureOut">
               <a:rPr lang="en-US" smtClean="0"/>
-              <a:t>10/8/2019</a:t>
+              <a:t>10/10/2019</a:t>
             </a:fld>
             <a:endParaRPr lang="en-US"/>
           </a:p>
@@ -9804,7 +9804,7 @@
           <a:p>
             <a:fld id="{D088F999-7A4E-6B4F-9FED-EF75B73AD044}" type="datetimeFigureOut">
               <a:rPr lang="en-US" smtClean="0"/>
-              <a:t>10/8/2019</a:t>
+              <a:t>10/10/2019</a:t>
             </a:fld>
             <a:endParaRPr lang="en-US"/>
           </a:p>
@@ -10024,7 +10024,7 @@
           <a:p>
             <a:fld id="{D088F999-7A4E-6B4F-9FED-EF75B73AD044}" type="datetimeFigureOut">
               <a:rPr lang="en-US" smtClean="0"/>
-              <a:t>10/8/2019</a:t>
+              <a:t>10/10/2019</a:t>
             </a:fld>
             <a:endParaRPr lang="en-US"/>
           </a:p>
@@ -10541,7 +10541,7 @@
           <a:p>
             <a:fld id="{D088F999-7A4E-6B4F-9FED-EF75B73AD044}" type="datetimeFigureOut">
               <a:rPr lang="en-US" smtClean="0"/>
-              <a:t>10/8/2019</a:t>
+              <a:t>10/10/2019</a:t>
             </a:fld>
             <a:endParaRPr lang="en-US"/>
           </a:p>
@@ -16943,12 +16943,12 @@
               <a:t>Uses </a:t>
             </a:r>
             <a:r>
-              <a:rPr lang="en-US" dirty="0" err="1"/>
-              <a:t>RsJx</a:t>
-            </a:r>
-            <a:r>
-              <a:rPr lang="en-US" dirty="0"/>
-              <a:t> to provide Observables</a:t>
+              <a:rPr lang="en-US"/>
+              <a:t>RxJs </a:t>
+            </a:r>
+            <a:r>
+              <a:rPr lang="en-US" dirty="0"/>
+              <a:t>to provide Observables</a:t>
             </a:r>
           </a:p>
           <a:p>
